--- a/03/Задача №1.pptx
+++ b/03/Задача №1.pptx
@@ -2999,24 +2999,13 @@
             <a:pPr indent="457200"/>
             <a:r>
               <a:rPr lang="ru-RU" sz="3600" dirty="0" smtClean="0">
+                <a:solidFill>
+                  <a:srgbClr val="FF0000"/>
+                </a:solidFill>
                 <a:latin typeface="Times New Roman" panose="02020603050405020304" pitchFamily="18" charset="0"/>
                 <a:cs typeface="Times New Roman" panose="02020603050405020304" pitchFamily="18" charset="0"/>
               </a:rPr>
-              <a:t>Задание </a:t>
-            </a:r>
-            <a:r>
-              <a:rPr lang="ru-RU" sz="3600" dirty="0" smtClean="0">
-                <a:latin typeface="Times New Roman" panose="02020603050405020304" pitchFamily="18" charset="0"/>
-                <a:cs typeface="Times New Roman" panose="02020603050405020304" pitchFamily="18" charset="0"/>
-              </a:rPr>
-              <a:t>№3 </a:t>
-            </a:r>
-            <a:r>
-              <a:rPr lang="ru-RU" sz="3600" dirty="0" smtClean="0">
-                <a:latin typeface="Times New Roman" panose="02020603050405020304" pitchFamily="18" charset="0"/>
-                <a:cs typeface="Times New Roman" panose="02020603050405020304" pitchFamily="18" charset="0"/>
-              </a:rPr>
-              <a:t>(ФИПИ)</a:t>
+              <a:t>Задание №3 (ФИПИ)</a:t>
             </a:r>
             <a:r>
               <a:rPr lang="ru-RU" sz="1800" dirty="0">
@@ -3046,7 +3035,7 @@
         </p:nvSpPr>
         <p:spPr>
           <a:xfrm>
-            <a:off x="11143488" y="0"/>
+            <a:off x="11135868" y="525408"/>
             <a:ext cx="992579" cy="369332"/>
           </a:xfrm>
           <a:prstGeom prst="rect">
@@ -3136,11 +3125,50 @@
                   <a:buNone/>
                 </a:pPr>
                 <a:r>
+                  <a:rPr lang="ru-RU" b="1" dirty="0" smtClean="0">
+                    <a:latin typeface="Times New Roman" panose="02020603050405020304" pitchFamily="18" charset="0"/>
+                    <a:cs typeface="Times New Roman" panose="02020603050405020304" pitchFamily="18" charset="0"/>
+                  </a:rPr>
+                  <a:t>Задача</a:t>
+                </a:r>
+                <a14:m>
+                  <m:oMath xmlns:m="http://schemas.openxmlformats.org/officeDocument/2006/math">
+                    <m:r>
+                      <a:rPr lang="ru-RU" b="1" i="1" dirty="0" smtClean="0">
+                        <a:latin typeface="Cambria Math" panose="02040503050406030204" pitchFamily="18" charset="0"/>
+                        <a:cs typeface="Times New Roman" panose="02020603050405020304" pitchFamily="18" charset="0"/>
+                      </a:rPr>
+                      <m:t>№</m:t>
+                    </m:r>
+                    <m:r>
+                      <a:rPr lang="ru-RU" b="1" i="1" dirty="0" smtClean="0">
+                        <a:latin typeface="Cambria Math" panose="02040503050406030204" pitchFamily="18" charset="0"/>
+                        <a:cs typeface="Times New Roman" panose="02020603050405020304" pitchFamily="18" charset="0"/>
+                      </a:rPr>
+                      <m:t>𝟏</m:t>
+                    </m:r>
+                    <m:r>
+                      <a:rPr lang="ru-RU" b="1" i="1" dirty="0" smtClean="0">
+                        <a:latin typeface="Cambria Math" panose="02040503050406030204" pitchFamily="18" charset="0"/>
+                        <a:cs typeface="Times New Roman" panose="02020603050405020304" pitchFamily="18" charset="0"/>
+                      </a:rPr>
+                      <m:t>. </m:t>
+                    </m:r>
+                  </m:oMath>
+                </a14:m>
+                <a:r>
+                  <a:rPr lang="ru-RU" dirty="0" smtClean="0">
+                    <a:latin typeface="Times New Roman" panose="02020603050405020304" pitchFamily="18" charset="0"/>
+                    <a:cs typeface="Times New Roman" panose="02020603050405020304" pitchFamily="18" charset="0"/>
+                  </a:rPr>
+                  <a:t>Определите </a:t>
+                </a:r>
+                <a:r>
                   <a:rPr lang="ru-RU" dirty="0">
                     <a:latin typeface="Times New Roman" panose="02020603050405020304" pitchFamily="18" charset="0"/>
                     <a:cs typeface="Times New Roman" panose="02020603050405020304" pitchFamily="18" charset="0"/>
                   </a:rPr>
-                  <a:t>Определите наименьшее трёхзначное число x, для которого истинно логическое </a:t>
+                  <a:t>наименьшее трёхзначное число x, для которого истинно логическое </a:t>
                 </a:r>
                 <a:r>
                   <a:rPr lang="ru-RU" dirty="0" smtClean="0">
@@ -3324,13 +3352,6 @@
           <a:bodyPr/>
           <a:lstStyle/>
           <a:p>
-            <a:r>
-              <a:rPr lang="ru-RU" dirty="0" smtClean="0">
-                <a:latin typeface="Times New Roman" panose="02020603050405020304" pitchFamily="18" charset="0"/>
-                <a:cs typeface="Times New Roman" panose="02020603050405020304" pitchFamily="18" charset="0"/>
-              </a:rPr>
-              <a:t>Аналитический способ решения</a:t>
-            </a:r>
             <a:endParaRPr lang="ru-RU" dirty="0"/>
           </a:p>
         </p:txBody>
@@ -3352,22 +3373,29 @@
               <a:bodyPr/>
               <a:lstStyle/>
               <a:p>
-                <a:pPr marL="0" indent="0">
+                <a:pPr marL="0" indent="0" algn="just">
                   <a:buNone/>
                 </a:pPr>
+                <a:r>
+                  <a:rPr lang="en-US" dirty="0" smtClean="0">
+                    <a:latin typeface="Times New Roman" panose="02020603050405020304" pitchFamily="18" charset="0"/>
+                    <a:cs typeface="Times New Roman" panose="02020603050405020304" pitchFamily="18" charset="0"/>
+                  </a:rPr>
+                  <a:t>       </a:t>
+                </a:r>
                 <a:r>
                   <a:rPr lang="ru-RU" dirty="0" smtClean="0">
                     <a:latin typeface="Times New Roman" panose="02020603050405020304" pitchFamily="18" charset="0"/>
                     <a:cs typeface="Times New Roman" panose="02020603050405020304" pitchFamily="18" charset="0"/>
                   </a:rPr>
-                  <a:t>Основная операция конъюнкция</a:t>
+                  <a:t>Основная </a:t>
                 </a:r>
                 <a:r>
                   <a:rPr lang="ru-RU" dirty="0" smtClean="0">
                     <a:latin typeface="Times New Roman" panose="02020603050405020304" pitchFamily="18" charset="0"/>
                     <a:cs typeface="Times New Roman" panose="02020603050405020304" pitchFamily="18" charset="0"/>
                   </a:rPr>
-                  <a:t>, то есть все логическое выражение истинно когда истины оба входящие в него высказывания</a:t>
+                  <a:t>операция конъюнкция, то есть все логическое выражение истинно когда истины оба входящие в него высказывания</a:t>
                 </a:r>
                 <a:r>
                   <a:rPr lang="en-US" dirty="0" smtClean="0">
@@ -3383,6 +3411,16 @@
                 </a:pPr>
                 <a14:m>
                   <m:oMath xmlns:m="http://schemas.openxmlformats.org/officeDocument/2006/math">
+                    <m:r>
+                      <m:rPr>
+                        <m:nor/>
+                      </m:rPr>
+                      <a:rPr lang="en-US" b="0" i="0" smtClean="0">
+                        <a:latin typeface="Times New Roman" panose="02020603050405020304" pitchFamily="18" charset="0"/>
+                        <a:cs typeface="Times New Roman" panose="02020603050405020304" pitchFamily="18" charset="0"/>
+                      </a:rPr>
+                      <m:t>          </m:t>
+                    </m:r>
                     <m:r>
                       <m:rPr>
                         <m:nor/>
@@ -3434,8 +3472,65 @@
                     <a:latin typeface="Times New Roman" panose="02020603050405020304" pitchFamily="18" charset="0"/>
                     <a:cs typeface="Times New Roman" panose="02020603050405020304" pitchFamily="18" charset="0"/>
                   </a:rPr>
-                  <a:t>: 103,113,123…,993</a:t>
-                </a:r>
+                  <a:t>: </a:t>
+                </a:r>
+                <a14:m>
+                  <m:oMath xmlns:m="http://schemas.openxmlformats.org/officeDocument/2006/math">
+                    <m:r>
+                      <a:rPr lang="en-US" b="1" i="1" dirty="0" smtClean="0">
+                        <a:latin typeface="Cambria Math" panose="02040503050406030204" pitchFamily="18" charset="0"/>
+                        <a:cs typeface="Times New Roman" panose="02020603050405020304" pitchFamily="18" charset="0"/>
+                      </a:rPr>
+                      <m:t>𝟏𝟎𝟑</m:t>
+                    </m:r>
+                    <m:r>
+                      <a:rPr lang="en-US" b="1" i="1" dirty="0" smtClean="0">
+                        <a:latin typeface="Cambria Math" panose="02040503050406030204" pitchFamily="18" charset="0"/>
+                        <a:cs typeface="Times New Roman" panose="02020603050405020304" pitchFamily="18" charset="0"/>
+                      </a:rPr>
+                      <m:t>,</m:t>
+                    </m:r>
+                    <m:r>
+                      <a:rPr lang="en-US" b="1" i="1" dirty="0" smtClean="0">
+                        <a:latin typeface="Cambria Math" panose="02040503050406030204" pitchFamily="18" charset="0"/>
+                        <a:cs typeface="Times New Roman" panose="02020603050405020304" pitchFamily="18" charset="0"/>
+                      </a:rPr>
+                      <m:t>𝟏𝟏𝟑</m:t>
+                    </m:r>
+                    <m:r>
+                      <a:rPr lang="en-US" b="1" i="1" dirty="0" smtClean="0">
+                        <a:latin typeface="Cambria Math" panose="02040503050406030204" pitchFamily="18" charset="0"/>
+                        <a:cs typeface="Times New Roman" panose="02020603050405020304" pitchFamily="18" charset="0"/>
+                      </a:rPr>
+                      <m:t>,</m:t>
+                    </m:r>
+                    <m:r>
+                      <a:rPr lang="en-US" b="1" i="1" dirty="0" smtClean="0">
+                        <a:latin typeface="Cambria Math" panose="02040503050406030204" pitchFamily="18" charset="0"/>
+                        <a:cs typeface="Times New Roman" panose="02020603050405020304" pitchFamily="18" charset="0"/>
+                      </a:rPr>
+                      <m:t>𝟏𝟐𝟑</m:t>
+                    </m:r>
+                    <m:r>
+                      <a:rPr lang="en-US" b="1" i="1" dirty="0" smtClean="0">
+                        <a:latin typeface="Cambria Math" panose="02040503050406030204" pitchFamily="18" charset="0"/>
+                        <a:cs typeface="Times New Roman" panose="02020603050405020304" pitchFamily="18" charset="0"/>
+                      </a:rPr>
+                      <m:t>…,</m:t>
+                    </m:r>
+                    <m:r>
+                      <a:rPr lang="en-US" b="1" i="1" dirty="0" smtClean="0">
+                        <a:latin typeface="Cambria Math" panose="02040503050406030204" pitchFamily="18" charset="0"/>
+                        <a:cs typeface="Times New Roman" panose="02020603050405020304" pitchFamily="18" charset="0"/>
+                      </a:rPr>
+                      <m:t>𝟗𝟗𝟑</m:t>
+                    </m:r>
+                  </m:oMath>
+                </a14:m>
+                <a:endParaRPr lang="en-US" b="1" dirty="0" smtClean="0">
+                  <a:latin typeface="Times New Roman" panose="02020603050405020304" pitchFamily="18" charset="0"/>
+                  <a:cs typeface="Times New Roman" panose="02020603050405020304" pitchFamily="18" charset="0"/>
+                </a:endParaRPr>
               </a:p>
               <a:p>
                 <a:pPr marL="0" indent="0">
@@ -3443,6 +3538,16 @@
                 </a:pPr>
                 <a14:m>
                   <m:oMath xmlns:m="http://schemas.openxmlformats.org/officeDocument/2006/math">
+                    <m:r>
+                      <m:rPr>
+                        <m:nor/>
+                      </m:rPr>
+                      <a:rPr lang="en-US" b="1" i="0" smtClean="0">
+                        <a:latin typeface="Times New Roman" panose="02020603050405020304" pitchFamily="18" charset="0"/>
+                        <a:cs typeface="Times New Roman" panose="02020603050405020304" pitchFamily="18" charset="0"/>
+                      </a:rPr>
+                      <m:t>           </m:t>
+                    </m:r>
                     <m:r>
                       <m:rPr>
                         <m:nor/>
@@ -3467,7 +3572,7 @@
                       <m:rPr>
                         <m:nor/>
                       </m:rPr>
-                      <a:rPr lang="ru-RU">
+                      <a:rPr lang="en-US" b="0" i="0" smtClean="0">
                         <a:latin typeface="Times New Roman" panose="02020603050405020304" pitchFamily="18" charset="0"/>
                         <a:cs typeface="Times New Roman" panose="02020603050405020304" pitchFamily="18" charset="0"/>
                       </a:rPr>
@@ -3477,11 +3582,21 @@
                       <m:rPr>
                         <m:nor/>
                       </m:rPr>
+                      <a:rPr lang="ru-RU" smtClean="0">
+                        <a:latin typeface="Times New Roman" panose="02020603050405020304" pitchFamily="18" charset="0"/>
+                        <a:cs typeface="Times New Roman" panose="02020603050405020304" pitchFamily="18" charset="0"/>
+                      </a:rPr>
+                      <m:t> &lt; 230</m:t>
+                    </m:r>
+                    <m:r>
+                      <m:rPr>
+                        <m:nor/>
+                      </m:rPr>
                       <a:rPr lang="ru-RU">
                         <a:latin typeface="Times New Roman" panose="02020603050405020304" pitchFamily="18" charset="0"/>
                         <a:cs typeface="Times New Roman" panose="02020603050405020304" pitchFamily="18" charset="0"/>
                       </a:rPr>
-                      <m:t> &lt; 230)</m:t>
+                      <m:t>)</m:t>
                     </m:r>
                   </m:oMath>
                 </a14:m>
@@ -3497,37 +3612,140 @@
                     <a:latin typeface="Times New Roman" panose="02020603050405020304" pitchFamily="18" charset="0"/>
                     <a:cs typeface="Times New Roman" panose="02020603050405020304" pitchFamily="18" charset="0"/>
                   </a:rPr>
-                  <a:t>истинно для: 230</a:t>
-                </a:r>
+                  <a:t>истинно для: </a:t>
+                </a:r>
+                <a14:m>
+                  <m:oMath xmlns:m="http://schemas.openxmlformats.org/officeDocument/2006/math">
+                    <m:r>
+                      <a:rPr lang="ru-RU" b="1" i="1" dirty="0" smtClean="0">
+                        <a:latin typeface="Cambria Math" panose="02040503050406030204" pitchFamily="18" charset="0"/>
+                        <a:cs typeface="Times New Roman" panose="02020603050405020304" pitchFamily="18" charset="0"/>
+                      </a:rPr>
+                      <m:t>𝟐𝟑𝟎</m:t>
+                    </m:r>
+                    <m:r>
+                      <a:rPr lang="en-US" b="1" i="1" dirty="0" smtClean="0">
+                        <a:latin typeface="Cambria Math" panose="02040503050406030204" pitchFamily="18" charset="0"/>
+                        <a:cs typeface="Times New Roman" panose="02020603050405020304" pitchFamily="18" charset="0"/>
+                      </a:rPr>
+                      <m:t>,</m:t>
+                    </m:r>
+                    <m:r>
+                      <a:rPr lang="en-US" b="1" i="1" dirty="0" smtClean="0">
+                        <a:latin typeface="Cambria Math" panose="02040503050406030204" pitchFamily="18" charset="0"/>
+                        <a:cs typeface="Times New Roman" panose="02020603050405020304" pitchFamily="18" charset="0"/>
+                      </a:rPr>
+                      <m:t>𝟐𝟑𝟏</m:t>
+                    </m:r>
+                    <m:r>
+                      <a:rPr lang="en-US" b="1" i="1" dirty="0" smtClean="0">
+                        <a:latin typeface="Cambria Math" panose="02040503050406030204" pitchFamily="18" charset="0"/>
+                        <a:cs typeface="Times New Roman" panose="02020603050405020304" pitchFamily="18" charset="0"/>
+                      </a:rPr>
+                      <m:t>,</m:t>
+                    </m:r>
+                    <m:r>
+                      <a:rPr lang="en-US" b="1" i="1" dirty="0" smtClean="0">
+                        <a:latin typeface="Cambria Math" panose="02040503050406030204" pitchFamily="18" charset="0"/>
+                        <a:cs typeface="Times New Roman" panose="02020603050405020304" pitchFamily="18" charset="0"/>
+                      </a:rPr>
+                      <m:t>𝟐𝟑𝟐</m:t>
+                    </m:r>
+                    <m:r>
+                      <a:rPr lang="en-US" b="1" i="1" dirty="0" smtClean="0">
+                        <a:latin typeface="Cambria Math" panose="02040503050406030204" pitchFamily="18" charset="0"/>
+                        <a:cs typeface="Times New Roman" panose="02020603050405020304" pitchFamily="18" charset="0"/>
+                      </a:rPr>
+                      <m:t>,…,</m:t>
+                    </m:r>
+                    <m:r>
+                      <a:rPr lang="en-US" b="1" i="1" dirty="0" smtClean="0">
+                        <a:latin typeface="Cambria Math" panose="02040503050406030204" pitchFamily="18" charset="0"/>
+                        <a:cs typeface="Times New Roman" panose="02020603050405020304" pitchFamily="18" charset="0"/>
+                      </a:rPr>
+                      <m:t>𝟗𝟗𝟗</m:t>
+                    </m:r>
+                  </m:oMath>
+                </a14:m>
+                <a:endParaRPr lang="en-US" b="1" dirty="0" smtClean="0">
+                  <a:latin typeface="Times New Roman" panose="02020603050405020304" pitchFamily="18" charset="0"/>
+                  <a:cs typeface="Times New Roman" panose="02020603050405020304" pitchFamily="18" charset="0"/>
+                </a:endParaRPr>
+              </a:p>
+              <a:p>
+                <a:pPr marL="0" indent="0" algn="just">
+                  <a:buNone/>
+                </a:pPr>
                 <a:r>
                   <a:rPr lang="en-US" dirty="0" smtClean="0">
                     <a:latin typeface="Times New Roman" panose="02020603050405020304" pitchFamily="18" charset="0"/>
                     <a:cs typeface="Times New Roman" panose="02020603050405020304" pitchFamily="18" charset="0"/>
                   </a:rPr>
-                  <a:t>,231,232,…,999</a:t>
-                </a:r>
-              </a:p>
-              <a:p>
-                <a:pPr marL="0" indent="0">
-                  <a:buNone/>
-                </a:pPr>
+                  <a:t>     </a:t>
+                </a:r>
                 <a:r>
                   <a:rPr lang="ru-RU" dirty="0" smtClean="0">
                     <a:latin typeface="Times New Roman" panose="02020603050405020304" pitchFamily="18" charset="0"/>
                     <a:cs typeface="Times New Roman" panose="02020603050405020304" pitchFamily="18" charset="0"/>
                   </a:rPr>
-                  <a:t>Наименьшее число которое есть и в первом и во втором множестве это </a:t>
-                </a:r>
-                <a:r>
-                  <a:rPr lang="ru-RU" b="1" dirty="0" smtClean="0">
-                    <a:solidFill>
-                      <a:srgbClr val="FF0000"/>
-                    </a:solidFill>
+                  <a:t>Наименьшее </a:t>
+                </a:r>
+                <a:r>
+                  <a:rPr lang="ru-RU" dirty="0" smtClean="0">
                     <a:latin typeface="Times New Roman" panose="02020603050405020304" pitchFamily="18" charset="0"/>
                     <a:cs typeface="Times New Roman" panose="02020603050405020304" pitchFamily="18" charset="0"/>
                   </a:rPr>
-                  <a:t>233</a:t>
-                </a:r>
+                  <a:t>число которое есть и в </a:t>
+                </a:r>
+                <a:r>
+                  <a:rPr lang="ru-RU" dirty="0" smtClean="0">
+                    <a:latin typeface="Times New Roman" panose="02020603050405020304" pitchFamily="18" charset="0"/>
+                    <a:cs typeface="Times New Roman" panose="02020603050405020304" pitchFamily="18" charset="0"/>
+                  </a:rPr>
+                  <a:t>первом</a:t>
+                </a:r>
+                <a:r>
+                  <a:rPr lang="ru-RU" dirty="0">
+                    <a:latin typeface="Times New Roman" panose="02020603050405020304" pitchFamily="18" charset="0"/>
+                    <a:cs typeface="Times New Roman" panose="02020603050405020304" pitchFamily="18" charset="0"/>
+                  </a:rPr>
+                  <a:t>,</a:t>
+                </a:r>
+                <a:r>
+                  <a:rPr lang="ru-RU" dirty="0" smtClean="0">
+                    <a:latin typeface="Times New Roman" panose="02020603050405020304" pitchFamily="18" charset="0"/>
+                    <a:cs typeface="Times New Roman" panose="02020603050405020304" pitchFamily="18" charset="0"/>
+                  </a:rPr>
+                  <a:t> </a:t>
+                </a:r>
+                <a:r>
+                  <a:rPr lang="ru-RU" dirty="0" smtClean="0">
+                    <a:latin typeface="Times New Roman" panose="02020603050405020304" pitchFamily="18" charset="0"/>
+                    <a:cs typeface="Times New Roman" panose="02020603050405020304" pitchFamily="18" charset="0"/>
+                  </a:rPr>
+                  <a:t>и во втором множестве </a:t>
+                </a:r>
+                <a:r>
+                  <a:rPr lang="ru-RU" dirty="0" smtClean="0">
+                    <a:latin typeface="Times New Roman" panose="02020603050405020304" pitchFamily="18" charset="0"/>
+                    <a:cs typeface="Times New Roman" panose="02020603050405020304" pitchFamily="18" charset="0"/>
+                  </a:rPr>
+                  <a:t>- это </a:t>
+                </a:r>
+                <a14:m>
+                  <m:oMath xmlns:m="http://schemas.openxmlformats.org/officeDocument/2006/math">
+                    <m:r>
+                      <a:rPr lang="ru-RU" b="1" i="1" dirty="0" smtClean="0">
+                        <a:solidFill>
+                          <a:srgbClr val="FF0000"/>
+                        </a:solidFill>
+                        <a:latin typeface="Cambria Math" panose="02040503050406030204" pitchFamily="18" charset="0"/>
+                        <a:cs typeface="Times New Roman" panose="02020603050405020304" pitchFamily="18" charset="0"/>
+                      </a:rPr>
+                      <m:t>𝟐𝟑𝟑</m:t>
+                    </m:r>
+                  </m:oMath>
+                </a14:m>
                 <a:endParaRPr lang="ru-RU" b="1" dirty="0">
                   <a:solidFill>
                     <a:srgbClr val="FF0000"/>
@@ -3556,10 +3774,6 @@
                   </a:rPr>
                   <a:t> </a:t>
                 </a:r>
-                <a:endParaRPr lang="ru-RU" dirty="0" smtClean="0">
-                  <a:latin typeface="Times New Roman" panose="02020603050405020304" pitchFamily="18" charset="0"/>
-                  <a:cs typeface="Times New Roman" panose="02020603050405020304" pitchFamily="18" charset="0"/>
-                </a:endParaRPr>
               </a:p>
             </p:txBody>
           </p:sp>
@@ -3579,7 +3793,7 @@
               <a:blipFill>
                 <a:blip r:embed="rId2"/>
                 <a:stretch>
-                  <a:fillRect l="-1217" t="-2381" r="-1507"/>
+                  <a:fillRect l="-1217" t="-2381" r="-1159"/>
                 </a:stretch>
               </a:blipFill>
             </p:spPr>
@@ -3598,6 +3812,45 @@
           </p:sp>
         </mc:Fallback>
       </mc:AlternateContent>
+      <p:sp>
+        <p:nvSpPr>
+          <p:cNvPr id="4" name="TextBox 3"/>
+          <p:cNvSpPr txBox="1"/>
+          <p:nvPr/>
+        </p:nvSpPr>
+        <p:spPr>
+          <a:xfrm>
+            <a:off x="2843170" y="750907"/>
+            <a:ext cx="6225330" cy="553998"/>
+          </a:xfrm>
+          <a:prstGeom prst="rect">
+            <a:avLst/>
+          </a:prstGeom>
+          <a:solidFill>
+            <a:schemeClr val="accent1">
+              <a:lumMod val="40000"/>
+              <a:lumOff val="60000"/>
+            </a:schemeClr>
+          </a:solidFill>
+        </p:spPr>
+        <p:txBody>
+          <a:bodyPr wrap="square" rtlCol="0">
+            <a:spAutoFit/>
+          </a:bodyPr>
+          <a:lstStyle/>
+          <a:p>
+            <a:pPr algn="ctr"/>
+            <a:r>
+              <a:rPr lang="ru-RU" sz="3000" b="1" dirty="0">
+                <a:latin typeface="Times New Roman" panose="02020603050405020304" pitchFamily="18" charset="0"/>
+                <a:cs typeface="Times New Roman" panose="02020603050405020304" pitchFamily="18" charset="0"/>
+              </a:rPr>
+              <a:t>Аналитический способ решения</a:t>
+            </a:r>
+            <a:endParaRPr lang="ru-RU" sz="3000" b="1" dirty="0"/>
+          </a:p>
+        </p:txBody>
+      </p:sp>
       <p:sp>
         <p:nvSpPr>
           <p:cNvPr id="7" name="Прямоугольник 6"/>
@@ -3686,44 +3939,44 @@
           <a:bodyPr/>
           <a:lstStyle/>
           <a:p>
+            <a:endParaRPr lang="ru-RU" dirty="0">
+              <a:latin typeface="Times New Roman" panose="02020603050405020304" pitchFamily="18" charset="0"/>
+              <a:cs typeface="Times New Roman" panose="02020603050405020304" pitchFamily="18" charset="0"/>
+            </a:endParaRPr>
+          </a:p>
+        </p:txBody>
+      </p:sp>
+      <p:sp>
+        <p:nvSpPr>
+          <p:cNvPr id="3" name="Объект 2"/>
+          <p:cNvSpPr>
+            <a:spLocks noGrp="1"/>
+          </p:cNvSpPr>
+          <p:nvPr>
+            <p:ph idx="1"/>
+          </p:nvPr>
+        </p:nvSpPr>
+        <p:spPr/>
+        <p:txBody>
+          <a:bodyPr/>
+          <a:lstStyle/>
+          <a:p>
+            <a:pPr marL="0" indent="0" algn="just">
+              <a:buNone/>
+            </a:pPr>
             <a:r>
               <a:rPr lang="ru-RU" dirty="0" smtClean="0">
                 <a:latin typeface="Times New Roman" panose="02020603050405020304" pitchFamily="18" charset="0"/>
                 <a:cs typeface="Times New Roman" panose="02020603050405020304" pitchFamily="18" charset="0"/>
               </a:rPr>
-              <a:t>Программный способ решения </a:t>
-            </a:r>
-            <a:endParaRPr lang="ru-RU" dirty="0">
-              <a:latin typeface="Times New Roman" panose="02020603050405020304" pitchFamily="18" charset="0"/>
-              <a:cs typeface="Times New Roman" panose="02020603050405020304" pitchFamily="18" charset="0"/>
-            </a:endParaRPr>
-          </a:p>
-        </p:txBody>
-      </p:sp>
-      <p:sp>
-        <p:nvSpPr>
-          <p:cNvPr id="3" name="Объект 2"/>
-          <p:cNvSpPr>
-            <a:spLocks noGrp="1"/>
-          </p:cNvSpPr>
-          <p:nvPr>
-            <p:ph idx="1"/>
-          </p:nvPr>
-        </p:nvSpPr>
-        <p:spPr/>
-        <p:txBody>
-          <a:bodyPr/>
-          <a:lstStyle/>
-          <a:p>
-            <a:pPr marL="0" indent="0">
-              <a:buNone/>
-            </a:pPr>
+              <a:t>    Наиболее </a:t>
+            </a:r>
             <a:r>
               <a:rPr lang="ru-RU" dirty="0" smtClean="0">
                 <a:latin typeface="Times New Roman" panose="02020603050405020304" pitchFamily="18" charset="0"/>
                 <a:cs typeface="Times New Roman" panose="02020603050405020304" pitchFamily="18" charset="0"/>
               </a:rPr>
-              <a:t>Наиболее простой способ решение нужно перебрать все трехзначные числа и для каждого проверить условие:</a:t>
+              <a:t>простой способ решение нужно перебрать все трехзначные числа и для каждого проверить условие:</a:t>
             </a:r>
             <a:endParaRPr lang="en-US" dirty="0" smtClean="0">
               <a:latin typeface="Times New Roman" panose="02020603050405020304" pitchFamily="18" charset="0"/>
@@ -3801,6 +4054,45 @@
           </a:prstGeom>
         </p:spPr>
       </p:pic>
+      <p:sp>
+        <p:nvSpPr>
+          <p:cNvPr id="7" name="TextBox 6"/>
+          <p:cNvSpPr txBox="1"/>
+          <p:nvPr/>
+        </p:nvSpPr>
+        <p:spPr>
+          <a:xfrm>
+            <a:off x="2843170" y="750907"/>
+            <a:ext cx="6225330" cy="584775"/>
+          </a:xfrm>
+          <a:prstGeom prst="rect">
+            <a:avLst/>
+          </a:prstGeom>
+          <a:solidFill>
+            <a:schemeClr val="accent1">
+              <a:lumMod val="40000"/>
+              <a:lumOff val="60000"/>
+            </a:schemeClr>
+          </a:solidFill>
+        </p:spPr>
+        <p:txBody>
+          <a:bodyPr wrap="square" rtlCol="0">
+            <a:spAutoFit/>
+          </a:bodyPr>
+          <a:lstStyle/>
+          <a:p>
+            <a:pPr algn="ctr"/>
+            <a:r>
+              <a:rPr lang="ru-RU" sz="3200" b="1" dirty="0">
+                <a:latin typeface="Times New Roman" panose="02020603050405020304" pitchFamily="18" charset="0"/>
+                <a:cs typeface="Times New Roman" panose="02020603050405020304" pitchFamily="18" charset="0"/>
+              </a:rPr>
+              <a:t>Программный способ решения </a:t>
+            </a:r>
+            <a:endParaRPr lang="ru-RU" sz="3000" b="1" dirty="0"/>
+          </a:p>
+        </p:txBody>
+      </p:sp>
     </p:spTree>
     <p:extLst>
       <p:ext uri="{BB962C8B-B14F-4D97-AF65-F5344CB8AC3E}">
@@ -3863,27 +4155,19 @@
             <a:pPr indent="457200"/>
             <a:r>
               <a:rPr lang="ru-RU" sz="3600" dirty="0" smtClean="0">
+                <a:solidFill>
+                  <a:srgbClr val="FF0000"/>
+                </a:solidFill>
                 <a:latin typeface="Times New Roman" panose="02020603050405020304" pitchFamily="18" charset="0"/>
                 <a:cs typeface="Times New Roman" panose="02020603050405020304" pitchFamily="18" charset="0"/>
               </a:rPr>
-              <a:t>Задание </a:t>
-            </a:r>
-            <a:r>
-              <a:rPr lang="ru-RU" sz="3600" dirty="0" smtClean="0">
-                <a:latin typeface="Times New Roman" panose="02020603050405020304" pitchFamily="18" charset="0"/>
-                <a:cs typeface="Times New Roman" panose="02020603050405020304" pitchFamily="18" charset="0"/>
-              </a:rPr>
-              <a:t>№3 </a:t>
-            </a:r>
-            <a:r>
-              <a:rPr lang="ru-RU" sz="3600" dirty="0" smtClean="0">
-                <a:latin typeface="Times New Roman" panose="02020603050405020304" pitchFamily="18" charset="0"/>
-                <a:cs typeface="Times New Roman" panose="02020603050405020304" pitchFamily="18" charset="0"/>
-              </a:rPr>
-              <a:t>(ФИПИ)</a:t>
+              <a:t>Задание №3 (ФИПИ)</a:t>
             </a:r>
             <a:r>
               <a:rPr lang="ru-RU" sz="1800" dirty="0">
+                <a:solidFill>
+                  <a:srgbClr val="FF0000"/>
+                </a:solidFill>
                 <a:latin typeface="Times New Roman" panose="02020603050405020304" pitchFamily="18" charset="0"/>
                 <a:cs typeface="Times New Roman" panose="02020603050405020304" pitchFamily="18" charset="0"/>
               </a:rPr>
@@ -3891,11 +4175,17 @@
             </a:r>
             <a:br>
               <a:rPr lang="ru-RU" sz="1800" dirty="0">
+                <a:solidFill>
+                  <a:srgbClr val="FF0000"/>
+                </a:solidFill>
                 <a:latin typeface="Times New Roman" panose="02020603050405020304" pitchFamily="18" charset="0"/>
                 <a:cs typeface="Times New Roman" panose="02020603050405020304" pitchFamily="18" charset="0"/>
               </a:rPr>
             </a:br>
             <a:endParaRPr lang="ru-RU" sz="1800" dirty="0">
+              <a:solidFill>
+                <a:srgbClr val="FF0000"/>
+              </a:solidFill>
               <a:latin typeface="Times New Roman" panose="02020603050405020304" pitchFamily="18" charset="0"/>
               <a:cs typeface="Times New Roman" panose="02020603050405020304" pitchFamily="18" charset="0"/>
             </a:endParaRPr>
@@ -3994,6 +4284,13 @@
                 <a:pPr marL="0" indent="0" algn="just">
                   <a:buNone/>
                 </a:pPr>
+                <a:r>
+                  <a:rPr lang="ru-RU" b="1" dirty="0" smtClean="0">
+                    <a:latin typeface="Times New Roman" panose="02020603050405020304" pitchFamily="18" charset="0"/>
+                    <a:cs typeface="Times New Roman" panose="02020603050405020304" pitchFamily="18" charset="0"/>
+                  </a:rPr>
+                  <a:t>Задача №2. </a:t>
+                </a:r>
                 <a:r>
                   <a:rPr lang="ru-RU" dirty="0" smtClean="0">
                     <a:latin typeface="Times New Roman" panose="02020603050405020304" pitchFamily="18" charset="0"/>
@@ -4219,32 +4516,6 @@
           <a:chExt cx="0" cy="0"/>
         </a:xfrm>
       </p:grpSpPr>
-      <p:sp>
-        <p:nvSpPr>
-          <p:cNvPr id="2" name="Заголовок 1"/>
-          <p:cNvSpPr>
-            <a:spLocks noGrp="1"/>
-          </p:cNvSpPr>
-          <p:nvPr>
-            <p:ph type="title"/>
-          </p:nvPr>
-        </p:nvSpPr>
-        <p:spPr/>
-        <p:txBody>
-          <a:bodyPr/>
-          <a:lstStyle/>
-          <a:p>
-            <a:r>
-              <a:rPr lang="ru-RU" dirty="0" smtClean="0">
-                <a:latin typeface="Times New Roman" panose="02020603050405020304" pitchFamily="18" charset="0"/>
-                <a:cs typeface="Times New Roman" panose="02020603050405020304" pitchFamily="18" charset="0"/>
-              </a:rPr>
-              <a:t>Аналитический способ решения</a:t>
-            </a:r>
-            <a:endParaRPr lang="ru-RU" dirty="0"/>
-          </a:p>
-        </p:txBody>
-      </p:sp>
       <mc:AlternateContent xmlns:mc="http://schemas.openxmlformats.org/markup-compatibility/2006">
         <mc:Choice xmlns:a14="http://schemas.microsoft.com/office/drawing/2010/main" Requires="a14">
           <p:sp>
@@ -4257,14 +4528,19 @@
                 <p:ph idx="1"/>
               </p:nvPr>
             </p:nvSpPr>
-            <p:spPr/>
+            <p:spPr>
+              <a:xfrm>
+                <a:off x="838200" y="1661020"/>
+                <a:ext cx="10515600" cy="4664279"/>
+              </a:xfrm>
+            </p:spPr>
             <p:txBody>
               <a:bodyPr>
-                <a:normAutofit fontScale="92500"/>
+                <a:normAutofit lnSpcReduction="10000"/>
               </a:bodyPr>
               <a:lstStyle/>
               <a:p>
-                <a:pPr marL="0" indent="0">
+                <a:pPr marL="0" indent="0" algn="just">
                   <a:buNone/>
                 </a:pPr>
                 <a:r>
@@ -4272,14 +4548,14 @@
                     <a:latin typeface="Times New Roman" panose="02020603050405020304" pitchFamily="18" charset="0"/>
                     <a:cs typeface="Times New Roman" panose="02020603050405020304" pitchFamily="18" charset="0"/>
                   </a:rPr>
-                  <a:t>Основная операция дизъюнкция</a:t>
+                  <a:t>    Основная </a:t>
                 </a:r>
                 <a:r>
                   <a:rPr lang="ru-RU" dirty="0" smtClean="0">
                     <a:latin typeface="Times New Roman" panose="02020603050405020304" pitchFamily="18" charset="0"/>
                     <a:cs typeface="Times New Roman" panose="02020603050405020304" pitchFamily="18" charset="0"/>
                   </a:rPr>
-                  <a:t>, то есть все логическое выражение истинно когда истинно хотя бы одно входящие в него высказывания</a:t>
+                  <a:t>операция дизъюнкция, то есть все логическое выражение истинно когда истинно хотя бы одно входящие в него высказывания</a:t>
                 </a:r>
                 <a:r>
                   <a:rPr lang="en-US" dirty="0" smtClean="0">
@@ -4299,7 +4575,7 @@
                       <m:rPr>
                         <m:nor/>
                       </m:rPr>
-                      <a:rPr lang="en-US" i="1">
+                      <a:rPr lang="en-US" b="1">
                         <a:latin typeface="Times New Roman" panose="02020603050405020304" pitchFamily="18" charset="0"/>
                         <a:cs typeface="Times New Roman" panose="02020603050405020304" pitchFamily="18" charset="0"/>
                       </a:rPr>
@@ -4309,7 +4585,7 @@
                       <m:rPr>
                         <m:nor/>
                       </m:rPr>
-                      <a:rPr lang="en-US" i="1">
+                      <a:rPr lang="en-US" b="1">
                         <a:latin typeface="Times New Roman" panose="02020603050405020304" pitchFamily="18" charset="0"/>
                         <a:cs typeface="Times New Roman" panose="02020603050405020304" pitchFamily="18" charset="0"/>
                       </a:rPr>
@@ -4319,7 +4595,7 @@
                       <m:rPr>
                         <m:nor/>
                       </m:rPr>
-                      <a:rPr lang="en-US" i="1">
+                      <a:rPr lang="en-US" b="1">
                         <a:latin typeface="Times New Roman" panose="02020603050405020304" pitchFamily="18" charset="0"/>
                         <a:cs typeface="Times New Roman" panose="02020603050405020304" pitchFamily="18" charset="0"/>
                       </a:rPr>
@@ -4329,7 +4605,7 @@
                       <m:rPr>
                         <m:nor/>
                       </m:rPr>
-                      <a:rPr lang="ru-RU">
+                      <a:rPr lang="ru-RU" b="1">
                         <a:latin typeface="Times New Roman" panose="02020603050405020304" pitchFamily="18" charset="0"/>
                         <a:cs typeface="Times New Roman" panose="02020603050405020304" pitchFamily="18" charset="0"/>
                       </a:rPr>
@@ -4338,7 +4614,7 @@
                   </m:oMath>
                 </a14:m>
                 <a:r>
-                  <a:rPr lang="en-US" dirty="0" smtClean="0">
+                  <a:rPr lang="en-US" b="1" dirty="0" smtClean="0">
                     <a:latin typeface="Times New Roman" panose="02020603050405020304" pitchFamily="18" charset="0"/>
                     <a:cs typeface="Times New Roman" panose="02020603050405020304" pitchFamily="18" charset="0"/>
                   </a:rPr>
@@ -4352,21 +4628,21 @@
                   <a:t>истинно для</a:t>
                 </a:r>
                 <a:r>
-                  <a:rPr lang="en-US" dirty="0" smtClean="0">
+                  <a:rPr lang="en-US" b="1" dirty="0" smtClean="0">
                     <a:latin typeface="Times New Roman" panose="02020603050405020304" pitchFamily="18" charset="0"/>
                     <a:cs typeface="Times New Roman" panose="02020603050405020304" pitchFamily="18" charset="0"/>
                   </a:rPr>
                   <a:t>: </a:t>
                 </a:r>
                 <a:r>
-                  <a:rPr lang="ru-RU" dirty="0" smtClean="0">
+                  <a:rPr lang="ru-RU" b="1" dirty="0" smtClean="0">
                     <a:latin typeface="Times New Roman" panose="02020603050405020304" pitchFamily="18" charset="0"/>
                     <a:cs typeface="Times New Roman" panose="02020603050405020304" pitchFamily="18" charset="0"/>
                   </a:rPr>
                   <a:t>0, -1,…</a:t>
                 </a:r>
                 <a:r>
-                  <a:rPr lang="en-US" dirty="0">
+                  <a:rPr lang="en-US" b="1" dirty="0">
                     <a:cs typeface="Times New Roman" panose="02020603050405020304" pitchFamily="18" charset="0"/>
                   </a:rPr>
                   <a:t> </a:t>
@@ -4374,15 +4650,15 @@
                 <a14:m>
                   <m:oMath xmlns:m="http://schemas.openxmlformats.org/officeDocument/2006/math">
                     <m:r>
-                      <a:rPr lang="en-US" dirty="0">
+                      <a:rPr lang="en-US" b="1" dirty="0">
                         <a:latin typeface="Cambria Math" panose="02040503050406030204" pitchFamily="18" charset="0"/>
                         <a:ea typeface="Cambria Math" panose="02040503050406030204" pitchFamily="18" charset="0"/>
                         <a:cs typeface="Times New Roman" panose="02020603050405020304" pitchFamily="18" charset="0"/>
                       </a:rPr>
-                      <m:t>-</m:t>
+                      <m:t>−</m:t>
                     </m:r>
                     <m:r>
-                      <a:rPr lang="en-US" i="1" smtClean="0">
+                      <a:rPr lang="en-US" b="1" i="1" smtClean="0">
                         <a:latin typeface="Cambria Math" panose="02040503050406030204" pitchFamily="18" charset="0"/>
                         <a:ea typeface="Cambria Math" panose="02040503050406030204" pitchFamily="18" charset="0"/>
                         <a:cs typeface="Times New Roman" panose="02020603050405020304" pitchFamily="18" charset="0"/>
@@ -4404,14 +4680,14 @@
                       <m:rPr>
                         <m:nor/>
                       </m:rPr>
-                      <a:rPr lang="en-US" i="1">
+                      <a:rPr lang="en-US" b="1" i="1">
                         <a:latin typeface="Times New Roman" panose="02020603050405020304" pitchFamily="18" charset="0"/>
                         <a:cs typeface="Times New Roman" panose="02020603050405020304" pitchFamily="18" charset="0"/>
                       </a:rPr>
                       <m:t>x</m:t>
                     </m:r>
                     <m:r>
-                      <a:rPr lang="en-US" i="1" smtClean="0">
+                      <a:rPr lang="en-US" b="1" i="1" smtClean="0">
                         <a:latin typeface="Cambria Math" panose="02040503050406030204" pitchFamily="18" charset="0"/>
                         <a:ea typeface="Cambria Math" panose="02040503050406030204" pitchFamily="18" charset="0"/>
                         <a:cs typeface="Times New Roman" panose="02020603050405020304" pitchFamily="18" charset="0"/>
@@ -4419,35 +4695,37 @@
                       <m:t>∉</m:t>
                     </m:r>
                     <m:r>
-                      <a:rPr lang="en-US" b="0" i="1" smtClean="0">
+                      <a:rPr lang="en-US" b="1" i="1" smtClean="0">
                         <a:latin typeface="Cambria Math" panose="02040503050406030204" pitchFamily="18" charset="0"/>
                         <a:ea typeface="Cambria Math" panose="02040503050406030204" pitchFamily="18" charset="0"/>
                         <a:cs typeface="Times New Roman" panose="02020603050405020304" pitchFamily="18" charset="0"/>
                       </a:rPr>
-                      <m:t>𝑁</m:t>
+                      <m:t>𝑵</m:t>
                     </m:r>
                   </m:oMath>
                 </a14:m>
-                <a:endParaRPr lang="en-US" dirty="0" smtClean="0">
+                <a:endParaRPr lang="en-US" b="1" dirty="0" smtClean="0">
                   <a:latin typeface="Times New Roman" panose="02020603050405020304" pitchFamily="18" charset="0"/>
                   <a:cs typeface="Times New Roman" panose="02020603050405020304" pitchFamily="18" charset="0"/>
                 </a:endParaRPr>
               </a:p>
               <a:p>
-                <a:pPr marL="0" indent="0">
+                <a:pPr marL="0" indent="0" algn="just">
                   <a:buNone/>
                 </a:pPr>
                 <a:r>
-                  <a:rPr lang="ru-RU" dirty="0" err="1">
+                  <a:rPr lang="ru-RU" dirty="0" smtClean="0">
+                    <a:latin typeface="Times New Roman" panose="02020603050405020304" pitchFamily="18" charset="0"/>
                     <a:cs typeface="Times New Roman" panose="02020603050405020304" pitchFamily="18" charset="0"/>
                   </a:rPr>
-                  <a:t>Д</a:t>
+                  <a:t>    Для </a:t>
                 </a:r>
                 <a:r>
                   <a:rPr lang="ru-RU" dirty="0" smtClean="0">
+                    <a:latin typeface="Times New Roman" panose="02020603050405020304" pitchFamily="18" charset="0"/>
                     <a:cs typeface="Times New Roman" panose="02020603050405020304" pitchFamily="18" charset="0"/>
                   </a:rPr>
-                  <a:t>ля выражения </a:t>
+                  <a:t>выражения </a:t>
                 </a:r>
                 <a14:m>
                   <m:oMath xmlns:m="http://schemas.openxmlformats.org/officeDocument/2006/math">
@@ -4562,7 +4840,17 @@
                       <m:rPr>
                         <m:nor/>
                       </m:rPr>
-                      <a:rPr lang="ru-RU">
+                      <a:rPr lang="ru-RU" b="0" i="0" smtClean="0">
+                        <a:latin typeface="Times New Roman" panose="02020603050405020304" pitchFamily="18" charset="0"/>
+                        <a:cs typeface="Times New Roman" panose="02020603050405020304" pitchFamily="18" charset="0"/>
+                      </a:rPr>
+                      <m:t>       </m:t>
+                    </m:r>
+                    <m:r>
+                      <m:rPr>
+                        <m:nor/>
+                      </m:rPr>
+                      <a:rPr lang="ru-RU" b="1">
                         <a:latin typeface="Times New Roman" panose="02020603050405020304" pitchFamily="18" charset="0"/>
                         <a:cs typeface="Times New Roman" panose="02020603050405020304" pitchFamily="18" charset="0"/>
                       </a:rPr>
@@ -4582,7 +4870,7 @@
                       <m:rPr>
                         <m:nor/>
                       </m:rPr>
-                      <a:rPr lang="ru-RU">
+                      <a:rPr lang="ru-RU" b="1">
                         <a:latin typeface="Times New Roman" panose="02020603050405020304" pitchFamily="18" charset="0"/>
                         <a:cs typeface="Times New Roman" panose="02020603050405020304" pitchFamily="18" charset="0"/>
                       </a:rPr>
@@ -4591,11 +4879,18 @@
                   </m:oMath>
                 </a14:m>
                 <a:r>
+                  <a:rPr lang="ru-RU" b="1" dirty="0">
+                    <a:latin typeface="Times New Roman" panose="02020603050405020304" pitchFamily="18" charset="0"/>
+                    <a:cs typeface="Times New Roman" panose="02020603050405020304" pitchFamily="18" charset="0"/>
+                  </a:rPr>
+                  <a:t> </a:t>
+                </a:r>
+                <a:r>
                   <a:rPr lang="ru-RU" dirty="0">
                     <a:latin typeface="Times New Roman" panose="02020603050405020304" pitchFamily="18" charset="0"/>
                     <a:cs typeface="Times New Roman" panose="02020603050405020304" pitchFamily="18" charset="0"/>
                   </a:rPr>
-                  <a:t> истинно для</a:t>
+                  <a:t>истинно для</a:t>
                 </a:r>
                 <a:r>
                   <a:rPr lang="en-US" dirty="0">
@@ -4604,20 +4899,42 @@
                   </a:rPr>
                   <a:t>: </a:t>
                 </a:r>
-                <a:r>
-                  <a:rPr lang="ru-RU" dirty="0" smtClean="0">
-                    <a:latin typeface="Times New Roman" panose="02020603050405020304" pitchFamily="18" charset="0"/>
-                    <a:cs typeface="Times New Roman" panose="02020603050405020304" pitchFamily="18" charset="0"/>
-                  </a:rPr>
-                  <a:t>4</a:t>
-                </a:r>
-                <a:r>
-                  <a:rPr lang="en-US" dirty="0" smtClean="0">
-                    <a:latin typeface="Times New Roman" panose="02020603050405020304" pitchFamily="18" charset="0"/>
-                    <a:cs typeface="Times New Roman" panose="02020603050405020304" pitchFamily="18" charset="0"/>
-                  </a:rPr>
-                  <a:t>,5,…</a:t>
-                </a:r>
+                <a14:m>
+                  <m:oMath xmlns:m="http://schemas.openxmlformats.org/officeDocument/2006/math">
+                    <m:r>
+                      <a:rPr lang="ru-RU" b="1" i="1" dirty="0" smtClean="0">
+                        <a:latin typeface="Cambria Math" panose="02040503050406030204" pitchFamily="18" charset="0"/>
+                        <a:cs typeface="Times New Roman" panose="02020603050405020304" pitchFamily="18" charset="0"/>
+                      </a:rPr>
+                      <m:t>𝟒</m:t>
+                    </m:r>
+                    <m:r>
+                      <a:rPr lang="en-US" b="1" i="1" dirty="0" smtClean="0">
+                        <a:latin typeface="Cambria Math" panose="02040503050406030204" pitchFamily="18" charset="0"/>
+                        <a:cs typeface="Times New Roman" panose="02020603050405020304" pitchFamily="18" charset="0"/>
+                      </a:rPr>
+                      <m:t>,</m:t>
+                    </m:r>
+                    <m:r>
+                      <a:rPr lang="en-US" b="1" i="1" dirty="0" smtClean="0">
+                        <a:latin typeface="Cambria Math" panose="02040503050406030204" pitchFamily="18" charset="0"/>
+                        <a:cs typeface="Times New Roman" panose="02020603050405020304" pitchFamily="18" charset="0"/>
+                      </a:rPr>
+                      <m:t>𝟓</m:t>
+                    </m:r>
+                    <m:r>
+                      <a:rPr lang="en-US" b="1" i="1" dirty="0" smtClean="0">
+                        <a:latin typeface="Cambria Math" panose="02040503050406030204" pitchFamily="18" charset="0"/>
+                        <a:cs typeface="Times New Roman" panose="02020603050405020304" pitchFamily="18" charset="0"/>
+                      </a:rPr>
+                      <m:t>,…</m:t>
+                    </m:r>
+                  </m:oMath>
+                </a14:m>
+                <a:endParaRPr lang="en-US" b="1" dirty="0" smtClean="0">
+                  <a:latin typeface="Times New Roman" panose="02020603050405020304" pitchFamily="18" charset="0"/>
+                  <a:cs typeface="Times New Roman" panose="02020603050405020304" pitchFamily="18" charset="0"/>
+                </a:endParaRPr>
               </a:p>
               <a:p>
                 <a:pPr marL="0" indent="0">
@@ -4633,17 +4950,7 @@
                         <a:latin typeface="Times New Roman" panose="02020603050405020304" pitchFamily="18" charset="0"/>
                         <a:cs typeface="Times New Roman" panose="02020603050405020304" pitchFamily="18" charset="0"/>
                       </a:rPr>
-                      <m:t>НЕ </m:t>
-                    </m:r>
-                    <m:r>
-                      <m:rPr>
-                        <m:nor/>
-                      </m:rPr>
-                      <a:rPr lang="ru-RU">
-                        <a:latin typeface="Times New Roman" panose="02020603050405020304" pitchFamily="18" charset="0"/>
-                        <a:cs typeface="Times New Roman" panose="02020603050405020304" pitchFamily="18" charset="0"/>
-                      </a:rPr>
-                      <m:t>(</m:t>
+                      <m:t>НЕ (</m:t>
                     </m:r>
                     <m:r>
                       <m:rPr>
@@ -4659,7 +4966,7 @@
                       <m:rPr>
                         <m:nor/>
                       </m:rPr>
-                      <a:rPr lang="ru-RU">
+                      <a:rPr lang="ru-RU" b="1">
                         <a:latin typeface="Times New Roman" panose="02020603050405020304" pitchFamily="18" charset="0"/>
                         <a:cs typeface="Times New Roman" panose="02020603050405020304" pitchFamily="18" charset="0"/>
                       </a:rPr>
@@ -4668,7 +4975,7 @@
                   </m:oMath>
                 </a14:m>
                 <a:r>
-                  <a:rPr lang="en-US" dirty="0" smtClean="0">
+                  <a:rPr lang="en-US" b="1" dirty="0" smtClean="0">
                     <a:latin typeface="Times New Roman" panose="02020603050405020304" pitchFamily="18" charset="0"/>
                     <a:cs typeface="Times New Roman" panose="02020603050405020304" pitchFamily="18" charset="0"/>
                   </a:rPr>
@@ -4689,30 +4996,58 @@
                   <a:t>: </a:t>
                 </a:r>
                 <a:r>
+                  <a:rPr lang="ru-RU" b="1" dirty="0">
+                    <a:latin typeface="Times New Roman" panose="02020603050405020304" pitchFamily="18" charset="0"/>
+                    <a:cs typeface="Times New Roman" panose="02020603050405020304" pitchFamily="18" charset="0"/>
+                  </a:rPr>
+                  <a:t>4</a:t>
+                </a:r>
+                <a:r>
+                  <a:rPr lang="en-US" b="1" dirty="0" smtClean="0">
+                    <a:latin typeface="Times New Roman" panose="02020603050405020304" pitchFamily="18" charset="0"/>
+                    <a:cs typeface="Times New Roman" panose="02020603050405020304" pitchFamily="18" charset="0"/>
+                  </a:rPr>
+                  <a:t>, 5, …</a:t>
+                </a:r>
+              </a:p>
+              <a:p>
+                <a:pPr marL="0" indent="0" algn="just">
+                  <a:buNone/>
+                </a:pPr>
+                <a:r>
+                  <a:rPr lang="ru-RU" dirty="0" smtClean="0">
+                    <a:latin typeface="Times New Roman" panose="02020603050405020304" pitchFamily="18" charset="0"/>
+                    <a:cs typeface="Times New Roman" panose="02020603050405020304" pitchFamily="18" charset="0"/>
+                  </a:rPr>
+                  <a:t>     Наименьшее </a:t>
+                </a:r>
+                <a:r>
                   <a:rPr lang="ru-RU" dirty="0">
                     <a:latin typeface="Times New Roman" panose="02020603050405020304" pitchFamily="18" charset="0"/>
                     <a:cs typeface="Times New Roman" panose="02020603050405020304" pitchFamily="18" charset="0"/>
                   </a:rPr>
-                  <a:t>4</a:t>
-                </a:r>
-                <a:r>
-                  <a:rPr lang="en-US" dirty="0" smtClean="0">
+                  <a:t>число которое есть и в </a:t>
+                </a:r>
+                <a:r>
+                  <a:rPr lang="ru-RU" dirty="0" smtClean="0">
                     <a:latin typeface="Times New Roman" panose="02020603050405020304" pitchFamily="18" charset="0"/>
                     <a:cs typeface="Times New Roman" panose="02020603050405020304" pitchFamily="18" charset="0"/>
                   </a:rPr>
-                  <a:t>, 5, …</a:t>
-                </a:r>
-              </a:p>
-              <a:p>
-                <a:pPr marL="0" indent="0">
-                  <a:buNone/>
-                </a:pPr>
+                  <a:t>первом, </a:t>
+                </a:r>
                 <a:r>
                   <a:rPr lang="ru-RU" dirty="0">
                     <a:latin typeface="Times New Roman" panose="02020603050405020304" pitchFamily="18" charset="0"/>
                     <a:cs typeface="Times New Roman" panose="02020603050405020304" pitchFamily="18" charset="0"/>
                   </a:rPr>
-                  <a:t>Наименьшее число которое есть и в первом и во втором множестве это </a:t>
+                  <a:t>и во втором множестве </a:t>
+                </a:r>
+                <a:r>
+                  <a:rPr lang="ru-RU" dirty="0" smtClean="0">
+                    <a:latin typeface="Times New Roman" panose="02020603050405020304" pitchFamily="18" charset="0"/>
+                    <a:cs typeface="Times New Roman" panose="02020603050405020304" pitchFamily="18" charset="0"/>
+                  </a:rPr>
+                  <a:t>- это </a:t>
                 </a:r>
                 <a:r>
                   <a:rPr lang="en-US" b="1" dirty="0">
@@ -4765,10 +5100,14 @@
               </p:nvPr>
             </p:nvSpPr>
             <p:spPr>
+              <a:xfrm>
+                <a:off x="838200" y="1661020"/>
+                <a:ext cx="10515600" cy="4664279"/>
+              </a:xfrm>
               <a:blipFill>
                 <a:blip r:embed="rId2"/>
                 <a:stretch>
-                  <a:fillRect l="-1043" t="-2101"/>
+                  <a:fillRect l="-1217" t="-3133" r="-1159"/>
                 </a:stretch>
               </a:blipFill>
             </p:spPr>
@@ -4820,6 +5159,45 @@
             <a:endParaRPr lang="ru-RU" sz="1400" dirty="0">
               <a:latin typeface="Nautilus Pompilius" panose="02000000000000000000" pitchFamily="50" charset="-52"/>
             </a:endParaRPr>
+          </a:p>
+        </p:txBody>
+      </p:sp>
+      <p:sp>
+        <p:nvSpPr>
+          <p:cNvPr id="5" name="TextBox 4"/>
+          <p:cNvSpPr txBox="1"/>
+          <p:nvPr/>
+        </p:nvSpPr>
+        <p:spPr>
+          <a:xfrm>
+            <a:off x="2843170" y="750907"/>
+            <a:ext cx="6225330" cy="553998"/>
+          </a:xfrm>
+          <a:prstGeom prst="rect">
+            <a:avLst/>
+          </a:prstGeom>
+          <a:solidFill>
+            <a:schemeClr val="accent1">
+              <a:lumMod val="40000"/>
+              <a:lumOff val="60000"/>
+            </a:schemeClr>
+          </a:solidFill>
+        </p:spPr>
+        <p:txBody>
+          <a:bodyPr wrap="square" rtlCol="0">
+            <a:spAutoFit/>
+          </a:bodyPr>
+          <a:lstStyle/>
+          <a:p>
+            <a:pPr algn="ctr"/>
+            <a:r>
+              <a:rPr lang="ru-RU" sz="3000" b="1" dirty="0">
+                <a:latin typeface="Times New Roman" panose="02020603050405020304" pitchFamily="18" charset="0"/>
+                <a:cs typeface="Times New Roman" panose="02020603050405020304" pitchFamily="18" charset="0"/>
+              </a:rPr>
+              <a:t>Аналитический способ решения</a:t>
+            </a:r>
+            <a:endParaRPr lang="ru-RU" sz="3000" b="1" dirty="0"/>
           </a:p>
         </p:txBody>
       </p:sp>
@@ -4862,12 +5240,12 @@
       </p:grpSpPr>
       <p:sp>
         <p:nvSpPr>
-          <p:cNvPr id="2" name="Заголовок 1"/>
-          <p:cNvSpPr>
-            <a:spLocks noGrp="1"/>
-          </p:cNvSpPr>
-          <p:nvPr>
-            <p:ph type="title"/>
+          <p:cNvPr id="3" name="Объект 2"/>
+          <p:cNvSpPr>
+            <a:spLocks noGrp="1"/>
+          </p:cNvSpPr>
+          <p:nvPr>
+            <p:ph idx="1"/>
           </p:nvPr>
         </p:nvSpPr>
         <p:spPr/>
@@ -4875,58 +5253,22 @@
           <a:bodyPr/>
           <a:lstStyle/>
           <a:p>
+            <a:pPr marL="0" indent="0" algn="just">
+              <a:buNone/>
+            </a:pPr>
             <a:r>
               <a:rPr lang="ru-RU" dirty="0" smtClean="0">
                 <a:latin typeface="Times New Roman" panose="02020603050405020304" pitchFamily="18" charset="0"/>
                 <a:cs typeface="Times New Roman" panose="02020603050405020304" pitchFamily="18" charset="0"/>
               </a:rPr>
-              <a:t>Программный способ решения </a:t>
-            </a:r>
-            <a:endParaRPr lang="ru-RU" dirty="0">
-              <a:latin typeface="Times New Roman" panose="02020603050405020304" pitchFamily="18" charset="0"/>
-              <a:cs typeface="Times New Roman" panose="02020603050405020304" pitchFamily="18" charset="0"/>
-            </a:endParaRPr>
-          </a:p>
-        </p:txBody>
-      </p:sp>
-      <p:sp>
-        <p:nvSpPr>
-          <p:cNvPr id="3" name="Объект 2"/>
-          <p:cNvSpPr>
-            <a:spLocks noGrp="1"/>
-          </p:cNvSpPr>
-          <p:nvPr>
-            <p:ph idx="1"/>
-          </p:nvPr>
-        </p:nvSpPr>
-        <p:spPr/>
-        <p:txBody>
-          <a:bodyPr/>
-          <a:lstStyle/>
-          <a:p>
-            <a:pPr marL="0" indent="0">
-              <a:buNone/>
-            </a:pPr>
+              <a:t>    Наиболее </a:t>
+            </a:r>
             <a:r>
               <a:rPr lang="ru-RU" dirty="0" smtClean="0">
                 <a:latin typeface="Times New Roman" panose="02020603050405020304" pitchFamily="18" charset="0"/>
                 <a:cs typeface="Times New Roman" panose="02020603050405020304" pitchFamily="18" charset="0"/>
               </a:rPr>
-              <a:t>Наиболее простой способ решение нужно перебрать </a:t>
-            </a:r>
-            <a:r>
-              <a:rPr lang="ru-RU" dirty="0" smtClean="0">
-                <a:latin typeface="Times New Roman" panose="02020603050405020304" pitchFamily="18" charset="0"/>
-                <a:cs typeface="Times New Roman" panose="02020603050405020304" pitchFamily="18" charset="0"/>
-              </a:rPr>
-              <a:t>часть натуральных</a:t>
-            </a:r>
-            <a:r>
-              <a:rPr lang="ru-RU" dirty="0" smtClean="0">
-                <a:latin typeface="Times New Roman" panose="02020603050405020304" pitchFamily="18" charset="0"/>
-                <a:cs typeface="Times New Roman" panose="02020603050405020304" pitchFamily="18" charset="0"/>
-              </a:rPr>
-              <a:t> чисел и для каждого проверить условие:</a:t>
+              <a:t>простой способ решение нужно перебрать часть натуральных чисел и для каждого проверить условие:</a:t>
             </a:r>
             <a:endParaRPr lang="en-US" dirty="0" smtClean="0">
               <a:latin typeface="Times New Roman" panose="02020603050405020304" pitchFamily="18" charset="0"/>
@@ -5004,6 +5346,45 @@
           </a:prstGeom>
         </p:spPr>
       </p:pic>
+      <p:sp>
+        <p:nvSpPr>
+          <p:cNvPr id="7" name="TextBox 6"/>
+          <p:cNvSpPr txBox="1"/>
+          <p:nvPr/>
+        </p:nvSpPr>
+        <p:spPr>
+          <a:xfrm>
+            <a:off x="2633446" y="681036"/>
+            <a:ext cx="6225330" cy="584775"/>
+          </a:xfrm>
+          <a:prstGeom prst="rect">
+            <a:avLst/>
+          </a:prstGeom>
+          <a:solidFill>
+            <a:schemeClr val="accent1">
+              <a:lumMod val="40000"/>
+              <a:lumOff val="60000"/>
+            </a:schemeClr>
+          </a:solidFill>
+        </p:spPr>
+        <p:txBody>
+          <a:bodyPr wrap="square" rtlCol="0">
+            <a:spAutoFit/>
+          </a:bodyPr>
+          <a:lstStyle/>
+          <a:p>
+            <a:pPr algn="ctr"/>
+            <a:r>
+              <a:rPr lang="ru-RU" sz="3200" b="1" dirty="0">
+                <a:latin typeface="Times New Roman" panose="02020603050405020304" pitchFamily="18" charset="0"/>
+                <a:cs typeface="Times New Roman" panose="02020603050405020304" pitchFamily="18" charset="0"/>
+              </a:rPr>
+              <a:t>Программный способ решения </a:t>
+            </a:r>
+            <a:endParaRPr lang="ru-RU" sz="3000" b="1" dirty="0"/>
+          </a:p>
+        </p:txBody>
+      </p:sp>
     </p:spTree>
     <p:extLst>
       <p:ext uri="{BB962C8B-B14F-4D97-AF65-F5344CB8AC3E}">
